--- a/pptx/CaptsonePowerPoint.pptx
+++ b/pptx/CaptsonePowerPoint.pptx
@@ -5,10 +5,10 @@
     <p:sldMasterId id="2147483648" r:id="rId1"/>
   </p:sldMasterIdLst>
   <p:notesMasterIdLst>
-    <p:notesMasterId r:id="rId12"/>
+    <p:notesMasterId r:id="rId13"/>
   </p:notesMasterIdLst>
   <p:handoutMasterIdLst>
-    <p:handoutMasterId r:id="rId13"/>
+    <p:handoutMasterId r:id="rId14"/>
   </p:handoutMasterIdLst>
   <p:sldIdLst>
     <p:sldId id="256" r:id="rId2"/>
@@ -16,11 +16,12 @@
     <p:sldId id="273" r:id="rId4"/>
     <p:sldId id="272" r:id="rId5"/>
     <p:sldId id="274" r:id="rId6"/>
-    <p:sldId id="266" r:id="rId7"/>
-    <p:sldId id="263" r:id="rId8"/>
-    <p:sldId id="278" r:id="rId9"/>
-    <p:sldId id="265" r:id="rId10"/>
-    <p:sldId id="276" r:id="rId11"/>
+    <p:sldId id="279" r:id="rId7"/>
+    <p:sldId id="266" r:id="rId8"/>
+    <p:sldId id="263" r:id="rId9"/>
+    <p:sldId id="278" r:id="rId10"/>
+    <p:sldId id="265" r:id="rId11"/>
+    <p:sldId id="276" r:id="rId12"/>
   </p:sldIdLst>
   <p:sldSz cx="12188825" cy="6858000"/>
   <p:notesSz cx="6858000" cy="9144000"/>
@@ -3069,7 +3070,7 @@
           <a:p>
             <a:fld id="{3A2CC701-D80A-463B-8415-A85485312088}" type="slidenum">
               <a:rPr lang="en-US" smtClean="0"/>
-              <a:t>6</a:t>
+              <a:t>7</a:t>
             </a:fld>
             <a:endParaRPr lang="en-US"/>
           </a:p>
@@ -3175,7 +3176,7 @@
           <a:p>
             <a:fld id="{3A2CC701-D80A-463B-8415-A85485312088}" type="slidenum">
               <a:rPr lang="en-US" smtClean="0"/>
-              <a:t>9</a:t>
+              <a:t>10</a:t>
             </a:fld>
             <a:endParaRPr lang="en-US"/>
           </a:p>
@@ -41878,6 +41879,248 @@
       </p:grpSpPr>
       <p:pic>
         <p:nvPicPr>
+          <p:cNvPr id="2054" name="Picture 6">
+            <a:extLst>
+              <a:ext uri="{FF2B5EF4-FFF2-40B4-BE49-F238E27FC236}">
+                <a16:creationId xmlns:a16="http://schemas.microsoft.com/office/drawing/2014/main" id="{110C6196-00DE-47D2-B93F-62962E13D430}"/>
+              </a:ext>
+            </a:extLst>
+          </p:cNvPr>
+          <p:cNvPicPr>
+            <a:picLocks noChangeAspect="1" noChangeArrowheads="1"/>
+          </p:cNvPicPr>
+          <p:nvPr/>
+        </p:nvPicPr>
+        <p:blipFill>
+          <a:blip r:embed="rId3">
+            <a:extLst>
+              <a:ext uri="{28A0092B-C50C-407E-A947-70E740481C1C}">
+                <a14:useLocalDpi xmlns:a14="http://schemas.microsoft.com/office/drawing/2010/main" val="0"/>
+              </a:ext>
+            </a:extLst>
+          </a:blip>
+          <a:srcRect/>
+          <a:stretch>
+            <a:fillRect/>
+          </a:stretch>
+        </p:blipFill>
+        <p:spPr bwMode="auto">
+          <a:xfrm>
+            <a:off x="-751321" y="-320383"/>
+            <a:ext cx="12952413" cy="7498766"/>
+          </a:xfrm>
+          <a:prstGeom prst="rect">
+            <a:avLst/>
+          </a:prstGeom>
+          <a:noFill/>
+          <a:extLst>
+            <a:ext uri="{909E8E84-426E-40DD-AFC4-6F175D3DCCD1}">
+              <a14:hiddenFill xmlns:a14="http://schemas.microsoft.com/office/drawing/2010/main">
+                <a:solidFill>
+                  <a:srgbClr val="FFFFFF"/>
+                </a:solidFill>
+              </a14:hiddenFill>
+            </a:ext>
+          </a:extLst>
+        </p:spPr>
+      </p:pic>
+      <p:sp>
+        <p:nvSpPr>
+          <p:cNvPr id="4" name="Title 1">
+            <a:extLst>
+              <a:ext uri="{FF2B5EF4-FFF2-40B4-BE49-F238E27FC236}">
+                <a16:creationId xmlns:a16="http://schemas.microsoft.com/office/drawing/2014/main" id="{13B53624-B38A-477E-8149-010CFD410C9C}"/>
+              </a:ext>
+            </a:extLst>
+          </p:cNvPr>
+          <p:cNvSpPr>
+            <a:spLocks noGrp="1"/>
+          </p:cNvSpPr>
+          <p:nvPr>
+            <p:ph type="title"/>
+          </p:nvPr>
+        </p:nvSpPr>
+        <p:spPr>
+          <a:xfrm>
+            <a:off x="1353418" y="-74829"/>
+            <a:ext cx="12952413" cy="2072203"/>
+          </a:xfrm>
+        </p:spPr>
+        <p:txBody>
+          <a:bodyPr/>
+          <a:lstStyle/>
+          <a:p>
+            <a:r>
+              <a:rPr lang="en-US" dirty="0"/>
+              <a:t>Future Work</a:t>
+            </a:r>
+          </a:p>
+        </p:txBody>
+      </p:sp>
+      <p:sp>
+        <p:nvSpPr>
+          <p:cNvPr id="11" name="TextBox 10">
+            <a:extLst>
+              <a:ext uri="{FF2B5EF4-FFF2-40B4-BE49-F238E27FC236}">
+                <a16:creationId xmlns:a16="http://schemas.microsoft.com/office/drawing/2014/main" id="{767B118E-5BAA-4957-87B2-75F3FD54C9B8}"/>
+              </a:ext>
+            </a:extLst>
+          </p:cNvPr>
+          <p:cNvSpPr txBox="1"/>
+          <p:nvPr/>
+        </p:nvSpPr>
+        <p:spPr>
+          <a:xfrm>
+            <a:off x="1353415" y="2063750"/>
+            <a:ext cx="7941397" cy="424732"/>
+          </a:xfrm>
+          <a:prstGeom prst="rect">
+            <a:avLst/>
+          </a:prstGeom>
+          <a:noFill/>
+        </p:spPr>
+        <p:txBody>
+          <a:bodyPr wrap="square" rtlCol="0">
+            <a:spAutoFit/>
+          </a:bodyPr>
+          <a:lstStyle/>
+          <a:p>
+            <a:pPr>
+              <a:lnSpc>
+                <a:spcPct val="90000"/>
+              </a:lnSpc>
+            </a:pPr>
+            <a:r>
+              <a:rPr lang="en-US" sz="2400" dirty="0"/>
+              <a:t>Gather more data, 2020 may be interesting </a:t>
+            </a:r>
+          </a:p>
+        </p:txBody>
+      </p:sp>
+      <p:sp>
+        <p:nvSpPr>
+          <p:cNvPr id="12" name="TextBox 11">
+            <a:extLst>
+              <a:ext uri="{FF2B5EF4-FFF2-40B4-BE49-F238E27FC236}">
+                <a16:creationId xmlns:a16="http://schemas.microsoft.com/office/drawing/2014/main" id="{CEB1D2EC-A9FC-40B3-B5E7-4C08582A59BC}"/>
+              </a:ext>
+            </a:extLst>
+          </p:cNvPr>
+          <p:cNvSpPr txBox="1"/>
+          <p:nvPr/>
+        </p:nvSpPr>
+        <p:spPr>
+          <a:xfrm>
+            <a:off x="1353416" y="2488482"/>
+            <a:ext cx="4716049" cy="424732"/>
+          </a:xfrm>
+          <a:prstGeom prst="rect">
+            <a:avLst/>
+          </a:prstGeom>
+          <a:noFill/>
+        </p:spPr>
+        <p:txBody>
+          <a:bodyPr wrap="square" rtlCol="0">
+            <a:spAutoFit/>
+          </a:bodyPr>
+          <a:lstStyle/>
+          <a:p>
+            <a:pPr>
+              <a:lnSpc>
+                <a:spcPct val="90000"/>
+              </a:lnSpc>
+            </a:pPr>
+            <a:r>
+              <a:rPr lang="en-US" sz="2400" dirty="0"/>
+              <a:t>Time series prediction</a:t>
+            </a:r>
+          </a:p>
+        </p:txBody>
+      </p:sp>
+      <p:sp>
+        <p:nvSpPr>
+          <p:cNvPr id="14" name="TextBox 13">
+            <a:extLst>
+              <a:ext uri="{FF2B5EF4-FFF2-40B4-BE49-F238E27FC236}">
+                <a16:creationId xmlns:a16="http://schemas.microsoft.com/office/drawing/2014/main" id="{1AF85CC2-F1F5-490A-848B-E3D0083E8BB6}"/>
+              </a:ext>
+            </a:extLst>
+          </p:cNvPr>
+          <p:cNvSpPr txBox="1"/>
+          <p:nvPr/>
+        </p:nvSpPr>
+        <p:spPr>
+          <a:xfrm>
+            <a:off x="1353415" y="2913214"/>
+            <a:ext cx="7484197" cy="424732"/>
+          </a:xfrm>
+          <a:prstGeom prst="rect">
+            <a:avLst/>
+          </a:prstGeom>
+          <a:noFill/>
+        </p:spPr>
+        <p:txBody>
+          <a:bodyPr wrap="square" rtlCol="0">
+            <a:spAutoFit/>
+          </a:bodyPr>
+          <a:lstStyle/>
+          <a:p>
+            <a:pPr>
+              <a:lnSpc>
+                <a:spcPct val="90000"/>
+              </a:lnSpc>
+            </a:pPr>
+            <a:r>
+              <a:rPr lang="en-US" sz="2400" dirty="0"/>
+              <a:t>More players (like Nippon Baseball in Japan)</a:t>
+            </a:r>
+          </a:p>
+        </p:txBody>
+      </p:sp>
+    </p:spTree>
+    <p:extLst>
+      <p:ext uri="{BB962C8B-B14F-4D97-AF65-F5344CB8AC3E}">
+        <p14:creationId xmlns:p14="http://schemas.microsoft.com/office/powerpoint/2010/main" val="2514779726"/>
+      </p:ext>
+    </p:extLst>
+  </p:cSld>
+  <p:clrMapOvr>
+    <a:masterClrMapping/>
+  </p:clrMapOvr>
+  <mc:AlternateContent xmlns:mc="http://schemas.openxmlformats.org/markup-compatibility/2006" xmlns:p14="http://schemas.microsoft.com/office/powerpoint/2010/main">
+    <mc:Choice Requires="p14">
+      <p:transition spd="med" p14:dur="700">
+        <p:fade/>
+      </p:transition>
+    </mc:Choice>
+    <mc:Fallback xmlns="">
+      <p:transition spd="med">
+        <p:fade/>
+      </p:transition>
+    </mc:Fallback>
+  </mc:AlternateContent>
+</p:sld>
+</file>
+
+<file path=ppt/slides/slide11.xml><?xml version="1.0" encoding="utf-8"?>
+<p:sld xmlns:a="http://schemas.openxmlformats.org/drawingml/2006/main" xmlns:r="http://schemas.openxmlformats.org/officeDocument/2006/relationships" xmlns:p="http://schemas.openxmlformats.org/presentationml/2006/main">
+  <p:cSld>
+    <p:spTree>
+      <p:nvGrpSpPr>
+        <p:cNvPr id="1" name=""/>
+        <p:cNvGrpSpPr/>
+        <p:nvPr/>
+      </p:nvGrpSpPr>
+      <p:grpSpPr>
+        <a:xfrm>
+          <a:off x="0" y="0"/>
+          <a:ext cx="0" cy="0"/>
+          <a:chOff x="0" y="0"/>
+          <a:chExt cx="0" cy="0"/>
+        </a:xfrm>
+      </p:grpSpPr>
+      <p:pic>
+        <p:nvPicPr>
           <p:cNvPr id="2050" name="Picture 2" descr="Baseball Thank You Card-Printable">
             <a:extLst>
               <a:ext uri="{FF2B5EF4-FFF2-40B4-BE49-F238E27FC236}">
@@ -42122,20 +42365,8 @@
                   <a:schemeClr val="tx2"/>
                 </a:solidFill>
               </a:rPr>
-              <a:t>Find ways to predict future good players</a:t>
+              <a:t>Find ways to predict who will become a good player</a:t>
             </a:r>
-          </a:p>
-          <a:p>
-            <a:r>
-              <a:rPr lang="en-US" dirty="0">
-                <a:solidFill>
-                  <a:schemeClr val="tx2"/>
-                </a:solidFill>
-              </a:rPr>
-              <a:t>Make recommendations to Managers</a:t>
-            </a:r>
-          </a:p>
-          <a:p>
             <a:endParaRPr lang="en-US" dirty="0">
               <a:solidFill>
                 <a:schemeClr val="bg1"/>
@@ -42234,7 +42465,7 @@
           <a:p>
             <a:r>
               <a:rPr lang="en-US" dirty="0"/>
-              <a:t>1887 - 2019</a:t>
+              <a:t>1871 - 2019</a:t>
             </a:r>
           </a:p>
         </p:txBody>
@@ -42821,6 +43052,391 @@
     <p:bg>
       <p:bgPr>
         <a:blipFill dpi="0" rotWithShape="1">
+          <a:blip r:embed="rId2">
+            <a:lum/>
+          </a:blip>
+          <a:srcRect/>
+          <a:stretch>
+            <a:fillRect/>
+          </a:stretch>
+        </a:blipFill>
+        <a:effectLst/>
+      </p:bgPr>
+    </p:bg>
+    <p:spTree>
+      <p:nvGrpSpPr>
+        <p:cNvPr id="1" name=""/>
+        <p:cNvGrpSpPr/>
+        <p:nvPr/>
+      </p:nvGrpSpPr>
+      <p:grpSpPr>
+        <a:xfrm>
+          <a:off x="0" y="0"/>
+          <a:ext cx="0" cy="0"/>
+          <a:chOff x="0" y="0"/>
+          <a:chExt cx="0" cy="0"/>
+        </a:xfrm>
+      </p:grpSpPr>
+      <p:pic>
+        <p:nvPicPr>
+          <p:cNvPr id="6" name="Content Placeholder 5" descr="Chart, histogram&#10;&#10;Description automatically generated">
+            <a:extLst>
+              <a:ext uri="{FF2B5EF4-FFF2-40B4-BE49-F238E27FC236}">
+                <a16:creationId xmlns:a16="http://schemas.microsoft.com/office/drawing/2014/main" id="{D3AE3FB7-80C8-4AEE-9BB2-DF62F105F2E8}"/>
+              </a:ext>
+            </a:extLst>
+          </p:cNvPr>
+          <p:cNvPicPr>
+            <a:picLocks noGrp="1" noChangeAspect="1"/>
+          </p:cNvPicPr>
+          <p:nvPr>
+            <p:ph sz="half" idx="1"/>
+          </p:nvPr>
+        </p:nvPicPr>
+        <p:blipFill>
+          <a:blip r:embed="rId3">
+            <a:extLst>
+              <a:ext uri="{28A0092B-C50C-407E-A947-70E740481C1C}">
+                <a14:useLocalDpi xmlns:a14="http://schemas.microsoft.com/office/drawing/2010/main" val="0"/>
+              </a:ext>
+            </a:extLst>
+          </a:blip>
+          <a:stretch>
+            <a:fillRect/>
+          </a:stretch>
+        </p:blipFill>
+        <p:spPr>
+          <a:xfrm>
+            <a:off x="6323012" y="3029671"/>
+            <a:ext cx="5399500" cy="3505200"/>
+          </a:xfrm>
+        </p:spPr>
+      </p:pic>
+      <p:sp>
+        <p:nvSpPr>
+          <p:cNvPr id="8" name="Title 1">
+            <a:extLst>
+              <a:ext uri="{FF2B5EF4-FFF2-40B4-BE49-F238E27FC236}">
+                <a16:creationId xmlns:a16="http://schemas.microsoft.com/office/drawing/2014/main" id="{9AF364B2-3017-43AF-A0E5-22F8F425DE99}"/>
+              </a:ext>
+            </a:extLst>
+          </p:cNvPr>
+          <p:cNvSpPr txBox="1">
+            <a:spLocks/>
+          </p:cNvSpPr>
+          <p:nvPr/>
+        </p:nvSpPr>
+        <p:spPr>
+          <a:xfrm>
+            <a:off x="6094412" y="427038"/>
+            <a:ext cx="5029202" cy="1325562"/>
+          </a:xfrm>
+          <a:prstGeom prst="rect">
+            <a:avLst/>
+          </a:prstGeom>
+        </p:spPr>
+        <p:txBody>
+          <a:bodyPr vert="horz" lIns="91440" tIns="45720" rIns="91440" bIns="45720" rtlCol="0" anchor="b">
+            <a:normAutofit/>
+          </a:bodyPr>
+          <a:lstStyle>
+            <a:lvl1pPr algn="l" defTabSz="914400" rtl="0" eaLnBrk="1" latinLnBrk="0" hangingPunct="1">
+              <a:lnSpc>
+                <a:spcPct val="90000"/>
+              </a:lnSpc>
+              <a:spcBef>
+                <a:spcPct val="0"/>
+              </a:spcBef>
+              <a:buNone/>
+              <a:defRPr sz="4000" kern="1200" cap="all" baseline="0">
+                <a:solidFill>
+                  <a:schemeClr val="tx1">
+                    <a:lumMod val="50000"/>
+                  </a:schemeClr>
+                </a:solidFill>
+                <a:latin typeface="+mj-lt"/>
+                <a:ea typeface="+mj-ea"/>
+                <a:cs typeface="+mj-cs"/>
+              </a:defRPr>
+            </a:lvl1pPr>
+          </a:lstStyle>
+          <a:p>
+            <a:r>
+              <a:rPr lang="en-US" dirty="0">
+                <a:solidFill>
+                  <a:schemeClr val="accent2">
+                    <a:lumMod val="60000"/>
+                    <a:lumOff val="40000"/>
+                  </a:schemeClr>
+                </a:solidFill>
+              </a:rPr>
+              <a:t>Pitchers</a:t>
+            </a:r>
+          </a:p>
+        </p:txBody>
+      </p:sp>
+      <p:sp>
+        <p:nvSpPr>
+          <p:cNvPr id="9" name="Text Placeholder 3">
+            <a:extLst>
+              <a:ext uri="{FF2B5EF4-FFF2-40B4-BE49-F238E27FC236}">
+                <a16:creationId xmlns:a16="http://schemas.microsoft.com/office/drawing/2014/main" id="{19F9ABFE-234C-4143-9902-575CDC88ED43}"/>
+              </a:ext>
+            </a:extLst>
+          </p:cNvPr>
+          <p:cNvSpPr txBox="1">
+            <a:spLocks/>
+          </p:cNvSpPr>
+          <p:nvPr/>
+        </p:nvSpPr>
+        <p:spPr>
+          <a:xfrm>
+            <a:off x="684213" y="4876800"/>
+            <a:ext cx="3886200" cy="1295400"/>
+          </a:xfrm>
+          <a:prstGeom prst="rect">
+            <a:avLst/>
+          </a:prstGeom>
+        </p:spPr>
+        <p:txBody>
+          <a:bodyPr vert="horz" lIns="91440" tIns="45720" rIns="91440" bIns="45720" rtlCol="0">
+            <a:normAutofit/>
+          </a:bodyPr>
+          <a:lstStyle>
+            <a:lvl1pPr marL="274320" indent="-228600" algn="l" defTabSz="914400" rtl="0" eaLnBrk="1" latinLnBrk="0" hangingPunct="1">
+              <a:lnSpc>
+                <a:spcPct val="90000"/>
+              </a:lnSpc>
+              <a:spcBef>
+                <a:spcPts val="1800"/>
+              </a:spcBef>
+              <a:buClr>
+                <a:schemeClr val="tx1"/>
+              </a:buClr>
+              <a:buSzPct val="80000"/>
+              <a:buFont typeface="Arial" pitchFamily="34" charset="0"/>
+              <a:buChar char="•"/>
+              <a:defRPr sz="2400" kern="1200">
+                <a:solidFill>
+                  <a:schemeClr val="tx1"/>
+                </a:solidFill>
+                <a:latin typeface="+mn-lt"/>
+                <a:ea typeface="+mn-ea"/>
+                <a:cs typeface="+mn-cs"/>
+              </a:defRPr>
+            </a:lvl1pPr>
+            <a:lvl2pPr marL="502920" indent="-228600" algn="l" defTabSz="914400" rtl="0" eaLnBrk="1" latinLnBrk="0" hangingPunct="1">
+              <a:lnSpc>
+                <a:spcPct val="90000"/>
+              </a:lnSpc>
+              <a:spcBef>
+                <a:spcPts val="600"/>
+              </a:spcBef>
+              <a:buClr>
+                <a:schemeClr val="tx1"/>
+              </a:buClr>
+              <a:buSzPct val="80000"/>
+              <a:buFont typeface="Arial" pitchFamily="34" charset="0"/>
+              <a:buChar char="•"/>
+              <a:defRPr sz="2000" kern="1200">
+                <a:solidFill>
+                  <a:schemeClr val="tx1"/>
+                </a:solidFill>
+                <a:latin typeface="+mn-lt"/>
+                <a:ea typeface="+mn-ea"/>
+                <a:cs typeface="+mn-cs"/>
+              </a:defRPr>
+            </a:lvl2pPr>
+            <a:lvl3pPr marL="731520" indent="-228600" algn="l" defTabSz="914400" rtl="0" eaLnBrk="1" latinLnBrk="0" hangingPunct="1">
+              <a:lnSpc>
+                <a:spcPct val="90000"/>
+              </a:lnSpc>
+              <a:spcBef>
+                <a:spcPts val="600"/>
+              </a:spcBef>
+              <a:buClr>
+                <a:schemeClr val="tx1"/>
+              </a:buClr>
+              <a:buSzPct val="80000"/>
+              <a:buFont typeface="Arial" pitchFamily="34" charset="0"/>
+              <a:buChar char="•"/>
+              <a:defRPr sz="1800" kern="1200">
+                <a:solidFill>
+                  <a:schemeClr val="tx1"/>
+                </a:solidFill>
+                <a:latin typeface="+mn-lt"/>
+                <a:ea typeface="+mn-ea"/>
+                <a:cs typeface="+mn-cs"/>
+              </a:defRPr>
+            </a:lvl3pPr>
+            <a:lvl4pPr marL="960120" indent="-228600" algn="l" defTabSz="914400" rtl="0" eaLnBrk="1" latinLnBrk="0" hangingPunct="1">
+              <a:lnSpc>
+                <a:spcPct val="90000"/>
+              </a:lnSpc>
+              <a:spcBef>
+                <a:spcPts val="600"/>
+              </a:spcBef>
+              <a:buClr>
+                <a:schemeClr val="tx1"/>
+              </a:buClr>
+              <a:buSzPct val="80000"/>
+              <a:buFont typeface="Arial" pitchFamily="34" charset="0"/>
+              <a:buChar char="•"/>
+              <a:defRPr sz="1600" kern="1200">
+                <a:solidFill>
+                  <a:schemeClr val="tx1"/>
+                </a:solidFill>
+                <a:latin typeface="+mn-lt"/>
+                <a:ea typeface="+mn-ea"/>
+                <a:cs typeface="+mn-cs"/>
+              </a:defRPr>
+            </a:lvl4pPr>
+            <a:lvl5pPr marL="1188720" indent="-228600" algn="l" defTabSz="914400" rtl="0" eaLnBrk="1" latinLnBrk="0" hangingPunct="1">
+              <a:lnSpc>
+                <a:spcPct val="90000"/>
+              </a:lnSpc>
+              <a:spcBef>
+                <a:spcPts val="600"/>
+              </a:spcBef>
+              <a:buClr>
+                <a:schemeClr val="tx1"/>
+              </a:buClr>
+              <a:buSzPct val="80000"/>
+              <a:buFont typeface="Arial" pitchFamily="34" charset="0"/>
+              <a:buChar char="•"/>
+              <a:defRPr sz="1600" kern="1200">
+                <a:solidFill>
+                  <a:schemeClr val="tx1"/>
+                </a:solidFill>
+                <a:latin typeface="+mn-lt"/>
+                <a:ea typeface="+mn-ea"/>
+                <a:cs typeface="+mn-cs"/>
+              </a:defRPr>
+            </a:lvl5pPr>
+            <a:lvl6pPr marL="1417320" indent="-228600" algn="l" defTabSz="914400" rtl="0" eaLnBrk="1" latinLnBrk="0" hangingPunct="1">
+              <a:spcBef>
+                <a:spcPts val="600"/>
+              </a:spcBef>
+              <a:buSzPct val="80000"/>
+              <a:buFont typeface="Arial" pitchFamily="34" charset="0"/>
+              <a:buChar char="•"/>
+              <a:defRPr sz="1600" kern="1200">
+                <a:solidFill>
+                  <a:schemeClr val="tx1"/>
+                </a:solidFill>
+                <a:latin typeface="+mn-lt"/>
+                <a:ea typeface="+mn-ea"/>
+                <a:cs typeface="+mn-cs"/>
+              </a:defRPr>
+            </a:lvl6pPr>
+            <a:lvl7pPr marL="1645920" indent="-228600" algn="l" defTabSz="914400" rtl="0" eaLnBrk="1" latinLnBrk="0" hangingPunct="1">
+              <a:spcBef>
+                <a:spcPts val="600"/>
+              </a:spcBef>
+              <a:buSzPct val="80000"/>
+              <a:buFont typeface="Arial" pitchFamily="34" charset="0"/>
+              <a:buChar char="•"/>
+              <a:defRPr sz="1600" kern="1200">
+                <a:solidFill>
+                  <a:schemeClr val="tx1"/>
+                </a:solidFill>
+                <a:latin typeface="+mn-lt"/>
+                <a:ea typeface="+mn-ea"/>
+                <a:cs typeface="+mn-cs"/>
+              </a:defRPr>
+            </a:lvl7pPr>
+            <a:lvl8pPr marL="1874520" indent="-228600" algn="l" defTabSz="914400" rtl="0" eaLnBrk="1" latinLnBrk="0" hangingPunct="1">
+              <a:spcBef>
+                <a:spcPts val="600"/>
+              </a:spcBef>
+              <a:buSzPct val="80000"/>
+              <a:buFont typeface="Arial" pitchFamily="34" charset="0"/>
+              <a:buChar char="•"/>
+              <a:defRPr sz="1600" kern="1200">
+                <a:solidFill>
+                  <a:schemeClr val="tx1"/>
+                </a:solidFill>
+                <a:latin typeface="+mn-lt"/>
+                <a:ea typeface="+mn-ea"/>
+                <a:cs typeface="+mn-cs"/>
+              </a:defRPr>
+            </a:lvl8pPr>
+            <a:lvl9pPr marL="2103120" indent="-228600" algn="l" defTabSz="914400" rtl="0" eaLnBrk="1" latinLnBrk="0" hangingPunct="1">
+              <a:spcBef>
+                <a:spcPts val="600"/>
+              </a:spcBef>
+              <a:buSzPct val="80000"/>
+              <a:buFont typeface="Arial" pitchFamily="34" charset="0"/>
+              <a:buChar char="•"/>
+              <a:defRPr sz="1600" kern="1200" baseline="0">
+                <a:solidFill>
+                  <a:schemeClr val="tx1"/>
+                </a:solidFill>
+                <a:latin typeface="+mn-lt"/>
+                <a:ea typeface="+mn-ea"/>
+                <a:cs typeface="+mn-cs"/>
+              </a:defRPr>
+            </a:lvl9pPr>
+          </a:lstStyle>
+          <a:p>
+            <a:r>
+              <a:rPr lang="en-US" b="1" dirty="0">
+                <a:solidFill>
+                  <a:schemeClr val="accent2">
+                    <a:lumMod val="60000"/>
+                    <a:lumOff val="40000"/>
+                  </a:schemeClr>
+                </a:solidFill>
+              </a:rPr>
+              <a:t>Separate statistics</a:t>
+            </a:r>
+          </a:p>
+          <a:p>
+            <a:r>
+              <a:rPr lang="en-US" b="1" dirty="0">
+                <a:solidFill>
+                  <a:schemeClr val="accent2">
+                    <a:lumMod val="60000"/>
+                    <a:lumOff val="40000"/>
+                  </a:schemeClr>
+                </a:solidFill>
+              </a:rPr>
+              <a:t>and modeling</a:t>
+            </a:r>
+          </a:p>
+        </p:txBody>
+      </p:sp>
+    </p:spTree>
+    <p:extLst>
+      <p:ext uri="{BB962C8B-B14F-4D97-AF65-F5344CB8AC3E}">
+        <p14:creationId xmlns:p14="http://schemas.microsoft.com/office/powerpoint/2010/main" val="661494625"/>
+      </p:ext>
+    </p:extLst>
+  </p:cSld>
+  <p:clrMapOvr>
+    <a:masterClrMapping/>
+  </p:clrMapOvr>
+  <mc:AlternateContent xmlns:mc="http://schemas.openxmlformats.org/markup-compatibility/2006" xmlns:p14="http://schemas.microsoft.com/office/powerpoint/2010/main">
+    <mc:Choice Requires="p14">
+      <p:transition spd="med" p14:dur="700">
+        <p:fade/>
+      </p:transition>
+    </mc:Choice>
+    <mc:Fallback xmlns="">
+      <p:transition spd="med">
+        <p:fade/>
+      </p:transition>
+    </mc:Fallback>
+  </mc:AlternateContent>
+</p:sld>
+</file>
+
+<file path=ppt/slides/slide7.xml><?xml version="1.0" encoding="utf-8"?>
+<p:sld xmlns:a="http://schemas.openxmlformats.org/drawingml/2006/main" xmlns:r="http://schemas.openxmlformats.org/officeDocument/2006/relationships" xmlns:p="http://schemas.openxmlformats.org/presentationml/2006/main">
+  <p:cSld>
+    <p:bg>
+      <p:bgPr>
+        <a:blipFill dpi="0" rotWithShape="1">
           <a:blip r:embed="rId3">
             <a:lum/>
           </a:blip>
@@ -42982,7 +43598,7 @@
 </p:sld>
 </file>
 
-<file path=ppt/slides/slide7.xml><?xml version="1.0" encoding="utf-8"?>
+<file path=ppt/slides/slide8.xml><?xml version="1.0" encoding="utf-8"?>
 <p:sld xmlns:a="http://schemas.openxmlformats.org/drawingml/2006/main" xmlns:r="http://schemas.openxmlformats.org/officeDocument/2006/relationships" xmlns:p="http://schemas.openxmlformats.org/presentationml/2006/main">
   <p:cSld>
     <p:spTree>
@@ -43070,7 +43686,7 @@
           <a:p>
             <a:r>
               <a:rPr lang="en-US" dirty="0"/>
-              <a:t>Decision Tree</a:t>
+              <a:t>Ridge Classifier</a:t>
             </a:r>
           </a:p>
           <a:p>
@@ -43145,7 +43761,7 @@
 </p:sld>
 </file>
 
-<file path=ppt/slides/slide8.xml><?xml version="1.0" encoding="utf-8"?>
+<file path=ppt/slides/slide9.xml><?xml version="1.0" encoding="utf-8"?>
 <p:sld xmlns:a="http://schemas.openxmlformats.org/drawingml/2006/main" xmlns:r="http://schemas.openxmlformats.org/officeDocument/2006/relationships" xmlns:p="http://schemas.openxmlformats.org/presentationml/2006/main">
   <p:cSld>
     <p:bg>
@@ -43405,248 +44021,6 @@
     <p:extLst>
       <p:ext uri="{BB962C8B-B14F-4D97-AF65-F5344CB8AC3E}">
         <p14:creationId xmlns:p14="http://schemas.microsoft.com/office/powerpoint/2010/main" val="3202546965"/>
-      </p:ext>
-    </p:extLst>
-  </p:cSld>
-  <p:clrMapOvr>
-    <a:masterClrMapping/>
-  </p:clrMapOvr>
-  <mc:AlternateContent xmlns:mc="http://schemas.openxmlformats.org/markup-compatibility/2006" xmlns:p14="http://schemas.microsoft.com/office/powerpoint/2010/main">
-    <mc:Choice Requires="p14">
-      <p:transition spd="med" p14:dur="700">
-        <p:fade/>
-      </p:transition>
-    </mc:Choice>
-    <mc:Fallback xmlns="">
-      <p:transition spd="med">
-        <p:fade/>
-      </p:transition>
-    </mc:Fallback>
-  </mc:AlternateContent>
-</p:sld>
-</file>
-
-<file path=ppt/slides/slide9.xml><?xml version="1.0" encoding="utf-8"?>
-<p:sld xmlns:a="http://schemas.openxmlformats.org/drawingml/2006/main" xmlns:r="http://schemas.openxmlformats.org/officeDocument/2006/relationships" xmlns:p="http://schemas.openxmlformats.org/presentationml/2006/main">
-  <p:cSld>
-    <p:spTree>
-      <p:nvGrpSpPr>
-        <p:cNvPr id="1" name=""/>
-        <p:cNvGrpSpPr/>
-        <p:nvPr/>
-      </p:nvGrpSpPr>
-      <p:grpSpPr>
-        <a:xfrm>
-          <a:off x="0" y="0"/>
-          <a:ext cx="0" cy="0"/>
-          <a:chOff x="0" y="0"/>
-          <a:chExt cx="0" cy="0"/>
-        </a:xfrm>
-      </p:grpSpPr>
-      <p:pic>
-        <p:nvPicPr>
-          <p:cNvPr id="2054" name="Picture 6">
-            <a:extLst>
-              <a:ext uri="{FF2B5EF4-FFF2-40B4-BE49-F238E27FC236}">
-                <a16:creationId xmlns:a16="http://schemas.microsoft.com/office/drawing/2014/main" id="{110C6196-00DE-47D2-B93F-62962E13D430}"/>
-              </a:ext>
-            </a:extLst>
-          </p:cNvPr>
-          <p:cNvPicPr>
-            <a:picLocks noChangeAspect="1" noChangeArrowheads="1"/>
-          </p:cNvPicPr>
-          <p:nvPr/>
-        </p:nvPicPr>
-        <p:blipFill>
-          <a:blip r:embed="rId3">
-            <a:extLst>
-              <a:ext uri="{28A0092B-C50C-407E-A947-70E740481C1C}">
-                <a14:useLocalDpi xmlns:a14="http://schemas.microsoft.com/office/drawing/2010/main" val="0"/>
-              </a:ext>
-            </a:extLst>
-          </a:blip>
-          <a:srcRect/>
-          <a:stretch>
-            <a:fillRect/>
-          </a:stretch>
-        </p:blipFill>
-        <p:spPr bwMode="auto">
-          <a:xfrm>
-            <a:off x="-751321" y="-320383"/>
-            <a:ext cx="12952413" cy="7498766"/>
-          </a:xfrm>
-          <a:prstGeom prst="rect">
-            <a:avLst/>
-          </a:prstGeom>
-          <a:noFill/>
-          <a:extLst>
-            <a:ext uri="{909E8E84-426E-40DD-AFC4-6F175D3DCCD1}">
-              <a14:hiddenFill xmlns:a14="http://schemas.microsoft.com/office/drawing/2010/main">
-                <a:solidFill>
-                  <a:srgbClr val="FFFFFF"/>
-                </a:solidFill>
-              </a14:hiddenFill>
-            </a:ext>
-          </a:extLst>
-        </p:spPr>
-      </p:pic>
-      <p:sp>
-        <p:nvSpPr>
-          <p:cNvPr id="4" name="Title 1">
-            <a:extLst>
-              <a:ext uri="{FF2B5EF4-FFF2-40B4-BE49-F238E27FC236}">
-                <a16:creationId xmlns:a16="http://schemas.microsoft.com/office/drawing/2014/main" id="{13B53624-B38A-477E-8149-010CFD410C9C}"/>
-              </a:ext>
-            </a:extLst>
-          </p:cNvPr>
-          <p:cNvSpPr>
-            <a:spLocks noGrp="1"/>
-          </p:cNvSpPr>
-          <p:nvPr>
-            <p:ph type="title"/>
-          </p:nvPr>
-        </p:nvSpPr>
-        <p:spPr>
-          <a:xfrm>
-            <a:off x="1353418" y="-74829"/>
-            <a:ext cx="12952413" cy="2072203"/>
-          </a:xfrm>
-        </p:spPr>
-        <p:txBody>
-          <a:bodyPr/>
-          <a:lstStyle/>
-          <a:p>
-            <a:r>
-              <a:rPr lang="en-US" dirty="0"/>
-              <a:t>Future Work</a:t>
-            </a:r>
-          </a:p>
-        </p:txBody>
-      </p:sp>
-      <p:sp>
-        <p:nvSpPr>
-          <p:cNvPr id="11" name="TextBox 10">
-            <a:extLst>
-              <a:ext uri="{FF2B5EF4-FFF2-40B4-BE49-F238E27FC236}">
-                <a16:creationId xmlns:a16="http://schemas.microsoft.com/office/drawing/2014/main" id="{767B118E-5BAA-4957-87B2-75F3FD54C9B8}"/>
-              </a:ext>
-            </a:extLst>
-          </p:cNvPr>
-          <p:cNvSpPr txBox="1"/>
-          <p:nvPr/>
-        </p:nvSpPr>
-        <p:spPr>
-          <a:xfrm>
-            <a:off x="1353415" y="2063750"/>
-            <a:ext cx="7941397" cy="424732"/>
-          </a:xfrm>
-          <a:prstGeom prst="rect">
-            <a:avLst/>
-          </a:prstGeom>
-          <a:noFill/>
-        </p:spPr>
-        <p:txBody>
-          <a:bodyPr wrap="square" rtlCol="0">
-            <a:spAutoFit/>
-          </a:bodyPr>
-          <a:lstStyle/>
-          <a:p>
-            <a:pPr>
-              <a:lnSpc>
-                <a:spcPct val="90000"/>
-              </a:lnSpc>
-            </a:pPr>
-            <a:r>
-              <a:rPr lang="en-US" sz="2400" dirty="0"/>
-              <a:t>Gather more data, 2020 may be interesting </a:t>
-            </a:r>
-          </a:p>
-        </p:txBody>
-      </p:sp>
-      <p:sp>
-        <p:nvSpPr>
-          <p:cNvPr id="12" name="TextBox 11">
-            <a:extLst>
-              <a:ext uri="{FF2B5EF4-FFF2-40B4-BE49-F238E27FC236}">
-                <a16:creationId xmlns:a16="http://schemas.microsoft.com/office/drawing/2014/main" id="{CEB1D2EC-A9FC-40B3-B5E7-4C08582A59BC}"/>
-              </a:ext>
-            </a:extLst>
-          </p:cNvPr>
-          <p:cNvSpPr txBox="1"/>
-          <p:nvPr/>
-        </p:nvSpPr>
-        <p:spPr>
-          <a:xfrm>
-            <a:off x="1353416" y="2488482"/>
-            <a:ext cx="4716049" cy="424732"/>
-          </a:xfrm>
-          <a:prstGeom prst="rect">
-            <a:avLst/>
-          </a:prstGeom>
-          <a:noFill/>
-        </p:spPr>
-        <p:txBody>
-          <a:bodyPr wrap="square" rtlCol="0">
-            <a:spAutoFit/>
-          </a:bodyPr>
-          <a:lstStyle/>
-          <a:p>
-            <a:pPr>
-              <a:lnSpc>
-                <a:spcPct val="90000"/>
-              </a:lnSpc>
-            </a:pPr>
-            <a:r>
-              <a:rPr lang="en-US" sz="2400" dirty="0"/>
-              <a:t>Time series prediction</a:t>
-            </a:r>
-          </a:p>
-        </p:txBody>
-      </p:sp>
-      <p:sp>
-        <p:nvSpPr>
-          <p:cNvPr id="14" name="TextBox 13">
-            <a:extLst>
-              <a:ext uri="{FF2B5EF4-FFF2-40B4-BE49-F238E27FC236}">
-                <a16:creationId xmlns:a16="http://schemas.microsoft.com/office/drawing/2014/main" id="{1AF85CC2-F1F5-490A-848B-E3D0083E8BB6}"/>
-              </a:ext>
-            </a:extLst>
-          </p:cNvPr>
-          <p:cNvSpPr txBox="1"/>
-          <p:nvPr/>
-        </p:nvSpPr>
-        <p:spPr>
-          <a:xfrm>
-            <a:off x="1353415" y="2913214"/>
-            <a:ext cx="7484197" cy="424732"/>
-          </a:xfrm>
-          <a:prstGeom prst="rect">
-            <a:avLst/>
-          </a:prstGeom>
-          <a:noFill/>
-        </p:spPr>
-        <p:txBody>
-          <a:bodyPr wrap="square" rtlCol="0">
-            <a:spAutoFit/>
-          </a:bodyPr>
-          <a:lstStyle/>
-          <a:p>
-            <a:pPr>
-              <a:lnSpc>
-                <a:spcPct val="90000"/>
-              </a:lnSpc>
-            </a:pPr>
-            <a:r>
-              <a:rPr lang="en-US" sz="2400" dirty="0"/>
-              <a:t>More players (like Nippon Baseball in Japan)</a:t>
-            </a:r>
-          </a:p>
-        </p:txBody>
-      </p:sp>
-    </p:spTree>
-    <p:extLst>
-      <p:ext uri="{BB962C8B-B14F-4D97-AF65-F5344CB8AC3E}">
-        <p14:creationId xmlns:p14="http://schemas.microsoft.com/office/powerpoint/2010/main" val="2514779726"/>
       </p:ext>
     </p:extLst>
   </p:cSld>
